--- a/n_01_UIUX요구분석.pptx
+++ b/n_01_UIUX요구분석.pptx
@@ -9504,7 +9504,7 @@
             <a:fld id="{6921685B-8A46-4547-B47D-D09C9DEE3113}" type="datetimeFigureOut">
               <a:rPr lang="ko-KR" altLang="en-US" smtClean="0"/>
               <a:pPr/>
-              <a:t>2021-09-03</a:t>
+              <a:t>2021-09-06</a:t>
             </a:fld>
             <a:endParaRPr lang="ko-KR" altLang="en-US" dirty="0"/>
           </a:p>
@@ -12270,7 +12270,7 @@
           <a:p>
             <a:fld id="{305352ED-F847-431A-9C4E-9984B483267A}" type="datetimeFigureOut">
               <a:rPr lang="ko-KR" altLang="en-US" smtClean="0"/>
-              <a:t>2021-09-03</a:t>
+              <a:t>2021-09-06</a:t>
             </a:fld>
             <a:endParaRPr lang="ko-KR" altLang="en-US"/>
           </a:p>
@@ -24319,7 +24319,7 @@
           <p:nvPr>
             <p:extLst>
               <p:ext uri="{D42A27DB-BD31-4B8C-83A1-F6EECF244321}">
-                <p14:modId xmlns:p14="http://schemas.microsoft.com/office/powerpoint/2010/main" val="674230491"/>
+                <p14:modId xmlns:p14="http://schemas.microsoft.com/office/powerpoint/2010/main" val="3497156379"/>
               </p:ext>
             </p:extLst>
           </p:nvPr>
@@ -24561,11 +24561,55 @@
                           <a:latin typeface="맑은 고딕" panose="020B0503020000020004" pitchFamily="50" charset="-127"/>
                           <a:ea typeface="맑은 고딕" panose="020B0503020000020004" pitchFamily="50" charset="-127"/>
                         </a:rPr>
-                        <a:t>:</a:t>
+                        <a:t>: </a:t>
+                      </a:r>
+                      <a:r>
+                        <a:rPr lang="ko-KR" altLang="en-US" sz="1100" b="1" kern="0" spc="0" dirty="0">
+                          <a:solidFill>
+                            <a:srgbClr val="FF0000"/>
+                          </a:solidFill>
+                          <a:effectLst/>
+                          <a:latin typeface="맑은 고딕" panose="020B0503020000020004" pitchFamily="50" charset="-127"/>
+                          <a:ea typeface="맑은 고딕" panose="020B0503020000020004" pitchFamily="50" charset="-127"/>
+                        </a:rPr>
+                        <a:t>제품을 홍보하는 </a:t>
+                      </a:r>
+                      <a:r>
+                        <a:rPr lang="ko-KR" altLang="en-US" sz="1100" b="1" kern="0" spc="0" dirty="0" err="1">
+                          <a:solidFill>
+                            <a:srgbClr val="FF0000"/>
+                          </a:solidFill>
+                          <a:effectLst/>
+                          <a:latin typeface="맑은 고딕" panose="020B0503020000020004" pitchFamily="50" charset="-127"/>
+                          <a:ea typeface="맑은 고딕" panose="020B0503020000020004" pitchFamily="50" charset="-127"/>
+                        </a:rPr>
+                        <a:t>인플루언서들의</a:t>
+                      </a:r>
+                      <a:r>
+                        <a:rPr lang="ko-KR" altLang="en-US" sz="1100" b="1" kern="0" spc="0" dirty="0">
+                          <a:solidFill>
+                            <a:srgbClr val="FF0000"/>
+                          </a:solidFill>
+                          <a:effectLst/>
+                          <a:latin typeface="맑은 고딕" panose="020B0503020000020004" pitchFamily="50" charset="-127"/>
+                          <a:ea typeface="맑은 고딕" panose="020B0503020000020004" pitchFamily="50" charset="-127"/>
+                        </a:rPr>
+                        <a:t> 홍보들이 너무 과대광고 같다 필요에 맞게 해줬으면</a:t>
+                      </a:r>
+                      <a:r>
+                        <a:rPr lang="en-US" altLang="ko-KR" sz="1100" b="1" kern="0" spc="0" dirty="0">
+                          <a:solidFill>
+                            <a:srgbClr val="FF0000"/>
+                          </a:solidFill>
+                          <a:effectLst/>
+                          <a:latin typeface="맑은 고딕" panose="020B0503020000020004" pitchFamily="50" charset="-127"/>
+                          <a:ea typeface="맑은 고딕" panose="020B0503020000020004" pitchFamily="50" charset="-127"/>
+                        </a:rPr>
+                        <a:t>.</a:t>
                       </a:r>
                       <a:endParaRPr lang="ko-KR" altLang="en-US" sz="1100" kern="0" spc="0" dirty="0">
                         <a:solidFill>
-                          <a:srgbClr val="191919"/>
+                          <a:srgbClr val="FF0000"/>
                         </a:solidFill>
                         <a:effectLst/>
                         <a:latin typeface="맑은 고딕" panose="020B0503020000020004" pitchFamily="50" charset="-127"/>
@@ -24830,6 +24874,16 @@
                           <a:spcPts val="0"/>
                         </a:spcAft>
                       </a:pPr>
+                      <a:r>
+                        <a:rPr lang="ko-KR" altLang="en-US" sz="1100" kern="0" spc="0" dirty="0" err="1">
+                          <a:solidFill>
+                            <a:srgbClr val="191919"/>
+                          </a:solidFill>
+                          <a:effectLst/>
+                          <a:latin typeface="맑은 고딕" panose="020B0503020000020004" pitchFamily="50" charset="-127"/>
+                        </a:rPr>
+                        <a:t>김요구</a:t>
+                      </a:r>
                       <a:endParaRPr lang="ko-KR" altLang="en-US" sz="1100" kern="0" spc="0" dirty="0">
                         <a:solidFill>
                           <a:srgbClr val="191919"/>
@@ -25009,6 +25063,16 @@
                           <a:spcPts val="0"/>
                         </a:spcAft>
                       </a:pPr>
+                      <a:r>
+                        <a:rPr lang="en-US" altLang="ko-KR" sz="1100" kern="0" spc="0" dirty="0">
+                          <a:solidFill>
+                            <a:srgbClr val="191919"/>
+                          </a:solidFill>
+                          <a:effectLst/>
+                          <a:latin typeface="맑은 고딕" panose="020B0503020000020004" pitchFamily="50" charset="-127"/>
+                        </a:rPr>
+                        <a:t>40</a:t>
+                      </a:r>
                       <a:endParaRPr lang="ko-KR" altLang="en-US" sz="1100" kern="0" spc="0" dirty="0">
                         <a:solidFill>
                           <a:srgbClr val="191919"/>
@@ -25169,13 +25233,16 @@
                           <a:spcPts val="0"/>
                         </a:spcAft>
                       </a:pPr>
-                      <a:endParaRPr lang="ko-KR" altLang="en-US" sz="1100" kern="0" spc="0" dirty="0">
-                        <a:solidFill>
-                          <a:srgbClr val="191919"/>
-                        </a:solidFill>
-                        <a:effectLst/>
-                        <a:latin typeface="맑은 고딕" panose="020B0503020000020004" pitchFamily="50" charset="-127"/>
-                      </a:endParaRPr>
+                      <a:r>
+                        <a:rPr lang="ko-KR" altLang="en-US" sz="1100" kern="0" spc="0" dirty="0">
+                          <a:solidFill>
+                            <a:srgbClr val="191919"/>
+                          </a:solidFill>
+                          <a:effectLst/>
+                          <a:latin typeface="맑은 고딕" panose="020B0503020000020004" pitchFamily="50" charset="-127"/>
+                        </a:rPr>
+                        <a:t>남성</a:t>
+                      </a:r>
                     </a:p>
                   </a:txBody>
                   <a:tcPr marL="64771" marR="64771" marT="17907" marB="17907" anchor="ctr">
@@ -25329,13 +25396,16 @@
                           <a:spcPts val="0"/>
                         </a:spcAft>
                       </a:pPr>
-                      <a:endParaRPr lang="ko-KR" altLang="en-US" sz="900" kern="0" spc="0" dirty="0">
-                        <a:solidFill>
-                          <a:srgbClr val="191919"/>
-                        </a:solidFill>
-                        <a:effectLst/>
-                        <a:latin typeface="맑은 고딕" panose="020B0503020000020004" pitchFamily="50" charset="-127"/>
-                      </a:endParaRPr>
+                      <a:r>
+                        <a:rPr lang="ko-KR" altLang="en-US" sz="900" kern="0" spc="0" dirty="0">
+                          <a:solidFill>
+                            <a:srgbClr val="191919"/>
+                          </a:solidFill>
+                          <a:effectLst/>
+                          <a:latin typeface="맑은 고딕" panose="020B0503020000020004" pitchFamily="50" charset="-127"/>
+                        </a:rPr>
+                        <a:t>한국</a:t>
+                      </a:r>
                     </a:p>
                   </a:txBody>
                   <a:tcPr marL="64771" marR="64771" marT="17907" marB="17907" anchor="ctr">
@@ -25489,7 +25559,18 @@
                           <a:spcPts val="0"/>
                         </a:spcAft>
                       </a:pPr>
-                      <a:endParaRPr lang="en-US" sz="800" b="1" kern="0" spc="0">
+                      <a:r>
+                        <a:rPr lang="ko-KR" altLang="en-US" sz="800" b="1" kern="0" spc="0" dirty="0">
+                          <a:solidFill>
+                            <a:srgbClr val="191919"/>
+                          </a:solidFill>
+                          <a:effectLst/>
+                          <a:latin typeface="맑은 고딕" panose="020B0503020000020004" pitchFamily="50" charset="-127"/>
+                          <a:ea typeface="맑은 고딕" panose="020B0503020000020004" pitchFamily="50" charset="-127"/>
+                        </a:rPr>
+                        <a:t>회사원</a:t>
+                      </a:r>
+                      <a:endParaRPr lang="en-US" sz="800" b="1" kern="0" spc="0" dirty="0">
                         <a:solidFill>
                           <a:srgbClr val="191919"/>
                         </a:solidFill>
@@ -25658,13 +25739,16 @@
                           <a:spcPts val="0"/>
                         </a:spcAft>
                       </a:pPr>
-                      <a:endParaRPr lang="ko-KR" altLang="en-US" sz="1100" b="1" kern="0" spc="0" dirty="0">
-                        <a:solidFill>
-                          <a:srgbClr val="191919"/>
-                        </a:solidFill>
-                        <a:effectLst/>
-                        <a:latin typeface="맑은 고딕" panose="020B0503020000020004" pitchFamily="50" charset="-127"/>
-                      </a:endParaRPr>
+                      <a:r>
+                        <a:rPr lang="ko-KR" altLang="en-US" sz="1100" b="1" kern="0" spc="0" dirty="0">
+                          <a:solidFill>
+                            <a:srgbClr val="191919"/>
+                          </a:solidFill>
+                          <a:effectLst/>
+                          <a:latin typeface="맑은 고딕" panose="020B0503020000020004" pitchFamily="50" charset="-127"/>
+                        </a:rPr>
+                        <a:t>캠핑</a:t>
+                      </a:r>
                     </a:p>
                   </a:txBody>
                   <a:tcPr marL="64771" marR="64771" marT="17907" marB="17907" anchor="ctr">
@@ -25860,13 +25944,16 @@
                           <a:spcPts val="0"/>
                         </a:spcAft>
                       </a:pPr>
-                      <a:endParaRPr lang="ko-KR" altLang="en-US" sz="1100" kern="0" spc="0" dirty="0">
-                        <a:solidFill>
-                          <a:srgbClr val="B2B2B2"/>
-                        </a:solidFill>
-                        <a:effectLst/>
-                        <a:latin typeface="맑은 고딕" panose="020B0503020000020004" pitchFamily="50" charset="-127"/>
-                      </a:endParaRPr>
+                      <a:r>
+                        <a:rPr lang="ko-KR" altLang="en-US" sz="1100" kern="0" spc="0" dirty="0">
+                          <a:solidFill>
+                            <a:schemeClr val="tx1"/>
+                          </a:solidFill>
+                          <a:effectLst/>
+                          <a:latin typeface="맑은 고딕" panose="020B0503020000020004" pitchFamily="50" charset="-127"/>
+                        </a:rPr>
+                        <a:t>안양</a:t>
+                      </a:r>
                     </a:p>
                   </a:txBody>
                   <a:tcPr marL="64771" marR="64771" marT="17907" marB="17907" anchor="ctr">
@@ -25955,7 +26042,7 @@
                       <a:r>
                         <a:rPr lang="ko-KR" altLang="en-US" sz="800" b="1" kern="0" spc="0" dirty="0">
                           <a:solidFill>
-                            <a:srgbClr val="191919"/>
+                            <a:schemeClr val="tx1"/>
                           </a:solidFill>
                           <a:effectLst/>
                           <a:latin typeface="맑은 고딕" panose="020B0503020000020004" pitchFamily="50" charset="-127"/>
@@ -25965,7 +26052,7 @@
                       </a:r>
                       <a:endParaRPr lang="ko-KR" altLang="en-US" sz="1100" kern="0" spc="0" dirty="0">
                         <a:solidFill>
-                          <a:srgbClr val="191919"/>
+                          <a:schemeClr val="tx1"/>
                         </a:solidFill>
                         <a:effectLst/>
                         <a:latin typeface="맑은 고딕" panose="020B0503020000020004" pitchFamily="50" charset="-127"/>
@@ -26036,13 +26123,36 @@
                           <a:spcPts val="0"/>
                         </a:spcAft>
                       </a:pPr>
-                      <a:endParaRPr lang="ko-KR" altLang="en-US" sz="900" kern="0" spc="0" dirty="0">
-                        <a:solidFill>
-                          <a:srgbClr val="B2B2B2"/>
-                        </a:solidFill>
-                        <a:effectLst/>
-                        <a:latin typeface="맑은 고딕" panose="020B0503020000020004" pitchFamily="50" charset="-127"/>
-                      </a:endParaRPr>
+                      <a:r>
+                        <a:rPr lang="ko-KR" altLang="en-US" sz="900" kern="0" spc="0" dirty="0">
+                          <a:solidFill>
+                            <a:schemeClr val="tx1"/>
+                          </a:solidFill>
+                          <a:effectLst/>
+                          <a:latin typeface="맑은 고딕" panose="020B0503020000020004" pitchFamily="50" charset="-127"/>
+                        </a:rPr>
+                        <a:t>연 </a:t>
+                      </a:r>
+                      <a:r>
+                        <a:rPr lang="en-US" altLang="ko-KR" sz="900" kern="0" spc="0" dirty="0">
+                          <a:solidFill>
+                            <a:schemeClr val="tx1"/>
+                          </a:solidFill>
+                          <a:effectLst/>
+                          <a:latin typeface="맑은 고딕" panose="020B0503020000020004" pitchFamily="50" charset="-127"/>
+                        </a:rPr>
+                        <a:t>4000</a:t>
+                      </a:r>
+                      <a:r>
+                        <a:rPr lang="ko-KR" altLang="en-US" sz="900" kern="0" spc="0" dirty="0">
+                          <a:solidFill>
+                            <a:schemeClr val="tx1"/>
+                          </a:solidFill>
+                          <a:effectLst/>
+                          <a:latin typeface="맑은 고딕" panose="020B0503020000020004" pitchFamily="50" charset="-127"/>
+                        </a:rPr>
+                        <a:t>만원</a:t>
+                      </a:r>
                     </a:p>
                   </a:txBody>
                   <a:tcPr marL="64771" marR="64771" marT="17907" marB="17907" anchor="ctr">
@@ -26225,9 +26335,49 @@
                           <a:spcPts val="0"/>
                         </a:spcAft>
                       </a:pPr>
+                      <a:r>
+                        <a:rPr lang="ko-KR" altLang="en-US" sz="1100" kern="0" spc="0" dirty="0">
+                          <a:solidFill>
+                            <a:schemeClr val="tx1"/>
+                          </a:solidFill>
+                          <a:effectLst/>
+                          <a:latin typeface="맑은 고딕" panose="020B0503020000020004" pitchFamily="50" charset="-127"/>
+                        </a:rPr>
+                        <a:t>평소 컴퓨터와 함께하는 생활이 많은 직업을 가진 김요구씨는 나홀로 </a:t>
+                      </a:r>
+                      <a:r>
+                        <a:rPr lang="ko-KR" altLang="en-US" sz="1100" kern="0" spc="0" dirty="0" err="1">
+                          <a:solidFill>
+                            <a:schemeClr val="tx1"/>
+                          </a:solidFill>
+                          <a:effectLst/>
+                          <a:latin typeface="맑은 고딕" panose="020B0503020000020004" pitchFamily="50" charset="-127"/>
+                        </a:rPr>
+                        <a:t>차박하는</a:t>
+                      </a:r>
+                      <a:r>
+                        <a:rPr lang="ko-KR" altLang="en-US" sz="1100" kern="0" spc="0" dirty="0">
+                          <a:solidFill>
+                            <a:schemeClr val="tx1"/>
+                          </a:solidFill>
+                          <a:effectLst/>
+                          <a:latin typeface="맑은 고딕" panose="020B0503020000020004" pitchFamily="50" charset="-127"/>
+                        </a:rPr>
+                        <a:t> 것을 좋아한다</a:t>
+                      </a:r>
+                      <a:r>
+                        <a:rPr lang="en-US" altLang="ko-KR" sz="1100" kern="0" spc="0" dirty="0">
+                          <a:solidFill>
+                            <a:schemeClr val="tx1"/>
+                          </a:solidFill>
+                          <a:effectLst/>
+                          <a:latin typeface="맑은 고딕" panose="020B0503020000020004" pitchFamily="50" charset="-127"/>
+                        </a:rPr>
+                        <a:t>.</a:t>
+                      </a:r>
                       <a:endParaRPr lang="ko-KR" altLang="en-US" sz="1100" kern="0" spc="0" dirty="0">
                         <a:solidFill>
-                          <a:srgbClr val="B2B2B2"/>
+                          <a:schemeClr val="tx1"/>
                         </a:solidFill>
                         <a:effectLst/>
                         <a:latin typeface="맑은 고딕" panose="020B0503020000020004" pitchFamily="50" charset="-127"/>
@@ -26425,6 +26575,316 @@
                           <a:ea typeface="맑은 고딕" panose="020B0503020000020004" pitchFamily="50" charset="-127"/>
                         </a:rPr>
                         <a:t>:</a:t>
+                      </a:r>
+                    </a:p>
+                    <a:p>
+                      <a:pPr marL="0" marR="0" indent="0" algn="just" fontAlgn="base" latinLnBrk="1">
+                        <a:lnSpc>
+                          <a:spcPct val="130000"/>
+                        </a:lnSpc>
+                        <a:spcBef>
+                          <a:spcPts val="0"/>
+                        </a:spcBef>
+                        <a:spcAft>
+                          <a:spcPts val="0"/>
+                        </a:spcAft>
+                      </a:pPr>
+                      <a:endParaRPr lang="en-US" altLang="ko-KR" sz="1100" b="1" kern="0" spc="-80" dirty="0">
+                        <a:solidFill>
+                          <a:srgbClr val="4C4C4C"/>
+                        </a:solidFill>
+                        <a:effectLst/>
+                        <a:latin typeface="맑은 고딕" panose="020B0503020000020004" pitchFamily="50" charset="-127"/>
+                        <a:ea typeface="맑은 고딕" panose="020B0503020000020004" pitchFamily="50" charset="-127"/>
+                      </a:endParaRPr>
+                    </a:p>
+                    <a:p>
+                      <a:pPr marL="0" marR="0" indent="0" algn="just" fontAlgn="base" latinLnBrk="1">
+                        <a:lnSpc>
+                          <a:spcPct val="130000"/>
+                        </a:lnSpc>
+                        <a:spcBef>
+                          <a:spcPts val="0"/>
+                        </a:spcBef>
+                        <a:spcAft>
+                          <a:spcPts val="0"/>
+                        </a:spcAft>
+                      </a:pPr>
+                      <a:r>
+                        <a:rPr lang="ko-KR" altLang="en-US" sz="1100" kern="0" spc="0" dirty="0" err="1">
+                          <a:solidFill>
+                            <a:srgbClr val="191919"/>
+                          </a:solidFill>
+                          <a:effectLst/>
+                          <a:latin typeface="맑은 고딕" panose="020B0503020000020004" pitchFamily="50" charset="-127"/>
+                        </a:rPr>
+                        <a:t>증권맨인</a:t>
+                      </a:r>
+                      <a:r>
+                        <a:rPr lang="ko-KR" altLang="en-US" sz="1100" kern="0" spc="0" dirty="0">
+                          <a:solidFill>
+                            <a:srgbClr val="191919"/>
+                          </a:solidFill>
+                          <a:effectLst/>
+                          <a:latin typeface="맑은 고딕" panose="020B0503020000020004" pitchFamily="50" charset="-127"/>
+                        </a:rPr>
+                        <a:t> 김요구씨는 회사의 생활과 좀 다른 라이프 스타일을 원한다</a:t>
+                      </a:r>
+                      <a:r>
+                        <a:rPr lang="en-US" altLang="ko-KR" sz="1100" kern="0" spc="0" dirty="0">
+                          <a:solidFill>
+                            <a:srgbClr val="191919"/>
+                          </a:solidFill>
+                          <a:effectLst/>
+                          <a:latin typeface="맑은 고딕" panose="020B0503020000020004" pitchFamily="50" charset="-127"/>
+                        </a:rPr>
+                        <a:t>. </a:t>
+                      </a:r>
+                      <a:r>
+                        <a:rPr lang="ko-KR" altLang="en-US" sz="1100" kern="0" spc="0" dirty="0">
+                          <a:solidFill>
+                            <a:srgbClr val="191919"/>
+                          </a:solidFill>
+                          <a:effectLst/>
+                          <a:latin typeface="맑은 고딕" panose="020B0503020000020004" pitchFamily="50" charset="-127"/>
+                        </a:rPr>
+                        <a:t>그래서 이번에는 평상시 좋아하는 캠핑을 나홀로 </a:t>
+                      </a:r>
+                      <a:r>
+                        <a:rPr lang="ko-KR" altLang="en-US" sz="1100" kern="0" spc="0" dirty="0" err="1">
+                          <a:solidFill>
+                            <a:srgbClr val="191919"/>
+                          </a:solidFill>
+                          <a:effectLst/>
+                          <a:latin typeface="맑은 고딕" panose="020B0503020000020004" pitchFamily="50" charset="-127"/>
+                        </a:rPr>
+                        <a:t>차박으로</a:t>
+                      </a:r>
+                      <a:r>
+                        <a:rPr lang="ko-KR" altLang="en-US" sz="1100" kern="0" spc="0" dirty="0">
+                          <a:solidFill>
+                            <a:srgbClr val="191919"/>
+                          </a:solidFill>
+                          <a:effectLst/>
+                          <a:latin typeface="맑은 고딕" panose="020B0503020000020004" pitchFamily="50" charset="-127"/>
+                        </a:rPr>
+                        <a:t> 하려고 한다</a:t>
+                      </a:r>
+                      <a:r>
+                        <a:rPr lang="en-US" altLang="ko-KR" sz="1100" kern="0" spc="0" dirty="0">
+                          <a:solidFill>
+                            <a:srgbClr val="191919"/>
+                          </a:solidFill>
+                          <a:effectLst/>
+                          <a:latin typeface="맑은 고딕" panose="020B0503020000020004" pitchFamily="50" charset="-127"/>
+                        </a:rPr>
+                        <a:t>. </a:t>
+                      </a:r>
+                      <a:r>
+                        <a:rPr lang="ko-KR" altLang="en-US" sz="1100" kern="0" spc="0" dirty="0">
+                          <a:solidFill>
+                            <a:srgbClr val="191919"/>
+                          </a:solidFill>
+                          <a:effectLst/>
+                          <a:latin typeface="맑은 고딕" panose="020B0503020000020004" pitchFamily="50" charset="-127"/>
+                        </a:rPr>
+                        <a:t>최근에 랜턴과 몇가지 장비들을 교체해야 하는 상황에 괜찮은 장비가 없는지 찾아보려 사이트를 방문했는데</a:t>
+                      </a:r>
+                      <a:r>
+                        <a:rPr lang="en-US" altLang="ko-KR" sz="1100" kern="0" spc="0" dirty="0">
+                          <a:solidFill>
+                            <a:srgbClr val="191919"/>
+                          </a:solidFill>
+                          <a:effectLst/>
+                          <a:latin typeface="맑은 고딕" panose="020B0503020000020004" pitchFamily="50" charset="-127"/>
+                        </a:rPr>
+                        <a:t>, </a:t>
+                      </a:r>
+                      <a:r>
+                        <a:rPr lang="ko-KR" altLang="en-US" sz="1100" kern="0" spc="0" dirty="0">
+                          <a:solidFill>
+                            <a:srgbClr val="191919"/>
+                          </a:solidFill>
+                          <a:effectLst/>
+                          <a:latin typeface="맑은 고딕" panose="020B0503020000020004" pitchFamily="50" charset="-127"/>
+                        </a:rPr>
+                        <a:t>사이트에서 홍보하는 </a:t>
+                      </a:r>
+                      <a:r>
+                        <a:rPr lang="ko-KR" altLang="en-US" sz="1100" kern="0" spc="0" dirty="0" err="1">
+                          <a:solidFill>
+                            <a:srgbClr val="191919"/>
+                          </a:solidFill>
+                          <a:effectLst/>
+                          <a:latin typeface="맑은 고딕" panose="020B0503020000020004" pitchFamily="50" charset="-127"/>
+                        </a:rPr>
+                        <a:t>인플루언서들의</a:t>
+                      </a:r>
+                      <a:r>
+                        <a:rPr lang="ko-KR" altLang="en-US" sz="1100" kern="0" spc="0" dirty="0">
+                          <a:solidFill>
+                            <a:srgbClr val="191919"/>
+                          </a:solidFill>
+                          <a:effectLst/>
+                          <a:latin typeface="맑은 고딕" panose="020B0503020000020004" pitchFamily="50" charset="-127"/>
+                        </a:rPr>
+                        <a:t> 상품들이 대부분 단점이나 사용상의 문제점보다는 과대광고를 하는 것이 </a:t>
+                      </a:r>
+                      <a:r>
+                        <a:rPr lang="ko-KR" altLang="en-US" sz="1100" kern="0" spc="0" dirty="0" err="1">
+                          <a:solidFill>
+                            <a:srgbClr val="191919"/>
+                          </a:solidFill>
+                          <a:effectLst/>
+                          <a:latin typeface="맑은 고딕" panose="020B0503020000020004" pitchFamily="50" charset="-127"/>
+                        </a:rPr>
+                        <a:t>많아보여</a:t>
+                      </a:r>
+                      <a:r>
+                        <a:rPr lang="en-US" altLang="ko-KR" sz="1100" kern="0" spc="0" dirty="0">
+                          <a:solidFill>
+                            <a:srgbClr val="191919"/>
+                          </a:solidFill>
+                          <a:effectLst/>
+                          <a:latin typeface="맑은 고딕" panose="020B0503020000020004" pitchFamily="50" charset="-127"/>
+                        </a:rPr>
+                        <a:t>,</a:t>
+                      </a:r>
+                      <a:r>
+                        <a:rPr lang="ko-KR" altLang="en-US" sz="1100" kern="0" spc="0" dirty="0">
+                          <a:solidFill>
+                            <a:srgbClr val="191919"/>
+                          </a:solidFill>
+                          <a:effectLst/>
+                          <a:latin typeface="맑은 고딕" panose="020B0503020000020004" pitchFamily="50" charset="-127"/>
+                        </a:rPr>
+                        <a:t> 객관성이 떨어져 보인다</a:t>
+                      </a:r>
+                      <a:r>
+                        <a:rPr lang="en-US" altLang="ko-KR" sz="1100" kern="0" spc="0" dirty="0">
+                          <a:solidFill>
+                            <a:srgbClr val="191919"/>
+                          </a:solidFill>
+                          <a:effectLst/>
+                          <a:latin typeface="맑은 고딕" panose="020B0503020000020004" pitchFamily="50" charset="-127"/>
+                        </a:rPr>
+                        <a:t>.</a:t>
+                      </a:r>
+                    </a:p>
+                    <a:p>
+                      <a:pPr marL="0" marR="0" indent="0" algn="just" fontAlgn="base" latinLnBrk="1">
+                        <a:lnSpc>
+                          <a:spcPct val="130000"/>
+                        </a:lnSpc>
+                        <a:spcBef>
+                          <a:spcPts val="0"/>
+                        </a:spcBef>
+                        <a:spcAft>
+                          <a:spcPts val="0"/>
+                        </a:spcAft>
+                      </a:pPr>
+                      <a:r>
+                        <a:rPr lang="ko-KR" altLang="en-US" sz="1100" kern="0" spc="0" dirty="0">
+                          <a:solidFill>
+                            <a:srgbClr val="191919"/>
+                          </a:solidFill>
+                          <a:effectLst/>
+                          <a:latin typeface="맑은 고딕" panose="020B0503020000020004" pitchFamily="50" charset="-127"/>
+                        </a:rPr>
+                        <a:t>더 나은 상품들을 홍보하는 내용이면 </a:t>
+                      </a:r>
+                      <a:r>
+                        <a:rPr lang="ko-KR" altLang="en-US" sz="1100" kern="0" spc="0" dirty="0" err="1">
+                          <a:solidFill>
+                            <a:srgbClr val="191919"/>
+                          </a:solidFill>
+                          <a:effectLst/>
+                          <a:latin typeface="맑은 고딕" panose="020B0503020000020004" pitchFamily="50" charset="-127"/>
+                        </a:rPr>
+                        <a:t>좋을텐데</a:t>
+                      </a:r>
+                      <a:r>
+                        <a:rPr lang="en-US" altLang="ko-KR" sz="1100" kern="0" spc="0" dirty="0">
+                          <a:solidFill>
+                            <a:srgbClr val="191919"/>
+                          </a:solidFill>
+                          <a:effectLst/>
+                          <a:latin typeface="맑은 고딕" panose="020B0503020000020004" pitchFamily="50" charset="-127"/>
+                        </a:rPr>
+                        <a:t>. </a:t>
+                      </a:r>
+                      <a:r>
+                        <a:rPr lang="ko-KR" altLang="en-US" sz="1100" kern="0" spc="0" dirty="0">
+                          <a:solidFill>
+                            <a:srgbClr val="191919"/>
+                          </a:solidFill>
+                          <a:effectLst/>
+                          <a:latin typeface="맑은 고딕" panose="020B0503020000020004" pitchFamily="50" charset="-127"/>
+                        </a:rPr>
+                        <a:t>상품을 판매 비교하는 곳인지</a:t>
+                      </a:r>
+                      <a:r>
+                        <a:rPr lang="en-US" altLang="ko-KR" sz="1100" kern="0" spc="0" dirty="0">
+                          <a:solidFill>
+                            <a:srgbClr val="191919"/>
+                          </a:solidFill>
+                          <a:effectLst/>
+                          <a:latin typeface="맑은 고딕" panose="020B0503020000020004" pitchFamily="50" charset="-127"/>
+                        </a:rPr>
+                        <a:t>, </a:t>
+                      </a:r>
+                      <a:r>
+                        <a:rPr lang="ko-KR" altLang="en-US" sz="1100" kern="0" spc="0" dirty="0">
+                          <a:solidFill>
+                            <a:srgbClr val="191919"/>
+                          </a:solidFill>
+                          <a:effectLst/>
+                          <a:latin typeface="맑은 고딕" panose="020B0503020000020004" pitchFamily="50" charset="-127"/>
+                        </a:rPr>
+                        <a:t>아니면 유튜브 홍보인 것인지</a:t>
+                      </a:r>
+                      <a:r>
+                        <a:rPr lang="en-US" altLang="ko-KR" sz="1100" kern="0" spc="0" dirty="0">
+                          <a:solidFill>
+                            <a:srgbClr val="191919"/>
+                          </a:solidFill>
+                          <a:effectLst/>
+                          <a:latin typeface="맑은 고딕" panose="020B0503020000020004" pitchFamily="50" charset="-127"/>
+                        </a:rPr>
+                        <a:t>…</a:t>
+                      </a:r>
+                    </a:p>
+                    <a:p>
+                      <a:pPr marL="0" marR="0" indent="0" algn="just" fontAlgn="base" latinLnBrk="1">
+                        <a:lnSpc>
+                          <a:spcPct val="130000"/>
+                        </a:lnSpc>
+                        <a:spcBef>
+                          <a:spcPts val="0"/>
+                        </a:spcBef>
+                        <a:spcAft>
+                          <a:spcPts val="0"/>
+                        </a:spcAft>
+                      </a:pPr>
+                      <a:r>
+                        <a:rPr lang="ko-KR" altLang="en-US" sz="1100" kern="0" spc="0" dirty="0">
+                          <a:solidFill>
+                            <a:srgbClr val="191919"/>
+                          </a:solidFill>
+                          <a:effectLst/>
+                          <a:latin typeface="맑은 고딕" panose="020B0503020000020004" pitchFamily="50" charset="-127"/>
+                        </a:rPr>
+                        <a:t>내가 사려하는 상품을 명확하게 체크할 수 있는 내용이 있으면 좋겠다</a:t>
+                      </a:r>
+                      <a:r>
+                        <a:rPr lang="en-US" altLang="ko-KR" sz="1100" kern="0" spc="0" dirty="0">
+                          <a:solidFill>
+                            <a:srgbClr val="191919"/>
+                          </a:solidFill>
+                          <a:effectLst/>
+                          <a:latin typeface="맑은 고딕" panose="020B0503020000020004" pitchFamily="50" charset="-127"/>
+                        </a:rPr>
+                        <a:t>.</a:t>
                       </a:r>
                       <a:endParaRPr lang="ko-KR" altLang="en-US" sz="1100" kern="0" spc="0" dirty="0">
                         <a:solidFill>
@@ -26926,7 +27386,7 @@
           <p:nvPr>
             <p:extLst>
               <p:ext uri="{D42A27DB-BD31-4B8C-83A1-F6EECF244321}">
-                <p14:modId xmlns:p14="http://schemas.microsoft.com/office/powerpoint/2010/main" val="1372071194"/>
+                <p14:modId xmlns:p14="http://schemas.microsoft.com/office/powerpoint/2010/main" val="3385953669"/>
               </p:ext>
             </p:extLst>
           </p:nvPr>
@@ -27151,7 +27611,7 @@
                       <a:r>
                         <a:rPr lang="ko-KR" altLang="en-US" sz="1100" b="1" kern="0" spc="0" dirty="0">
                           <a:solidFill>
-                            <a:srgbClr val="191919"/>
+                            <a:schemeClr val="tx1"/>
                           </a:solidFill>
                           <a:effectLst/>
                           <a:latin typeface="맑은 고딕" panose="020B0503020000020004" pitchFamily="50" charset="-127"/>
@@ -27162,17 +27622,61 @@
                       <a:r>
                         <a:rPr lang="en-US" altLang="ko-KR" sz="1100" b="1" kern="0" spc="0" dirty="0">
                           <a:solidFill>
-                            <a:srgbClr val="191919"/>
+                            <a:schemeClr val="tx1"/>
                           </a:solidFill>
                           <a:effectLst/>
                           <a:latin typeface="맑은 고딕" panose="020B0503020000020004" pitchFamily="50" charset="-127"/>
                           <a:ea typeface="맑은 고딕" panose="020B0503020000020004" pitchFamily="50" charset="-127"/>
                         </a:rPr>
-                        <a:t>:</a:t>
+                        <a:t>: </a:t>
+                      </a:r>
+                      <a:r>
+                        <a:rPr lang="ko-KR" altLang="en-US" sz="1100" b="1" kern="0" spc="0" dirty="0">
+                          <a:solidFill>
+                            <a:srgbClr val="FF0000"/>
+                          </a:solidFill>
+                          <a:effectLst/>
+                          <a:latin typeface="맑은 고딕" panose="020B0503020000020004" pitchFamily="50" charset="-127"/>
+                          <a:ea typeface="맑은 고딕" panose="020B0503020000020004" pitchFamily="50" charset="-127"/>
+                        </a:rPr>
+                        <a:t>페이지에 내가 원하는 상품은 대체 어떻게 파악하나요</a:t>
+                      </a:r>
+                      <a:r>
+                        <a:rPr lang="en-US" altLang="ko-KR" sz="1100" b="1" kern="0" spc="0" dirty="0">
+                          <a:solidFill>
+                            <a:srgbClr val="FF0000"/>
+                          </a:solidFill>
+                          <a:effectLst/>
+                          <a:latin typeface="맑은 고딕" panose="020B0503020000020004" pitchFamily="50" charset="-127"/>
+                          <a:ea typeface="맑은 고딕" panose="020B0503020000020004" pitchFamily="50" charset="-127"/>
+                        </a:rPr>
+                        <a:t>? </a:t>
+                      </a:r>
+                      <a:r>
+                        <a:rPr lang="ko-KR" altLang="en-US" sz="1100" b="1" kern="0" spc="0" dirty="0">
+                          <a:solidFill>
+                            <a:srgbClr val="FF0000"/>
+                          </a:solidFill>
+                          <a:effectLst/>
+                          <a:latin typeface="맑은 고딕" panose="020B0503020000020004" pitchFamily="50" charset="-127"/>
+                          <a:ea typeface="맑은 고딕" panose="020B0503020000020004" pitchFamily="50" charset="-127"/>
+                        </a:rPr>
+                        <a:t>너무 복잡해요</a:t>
+                      </a:r>
+                      <a:r>
+                        <a:rPr lang="en-US" altLang="ko-KR" sz="1100" b="1" kern="0" spc="0" dirty="0">
+                          <a:solidFill>
+                            <a:srgbClr val="FF0000"/>
+                          </a:solidFill>
+                          <a:effectLst/>
+                          <a:latin typeface="맑은 고딕" panose="020B0503020000020004" pitchFamily="50" charset="-127"/>
+                          <a:ea typeface="맑은 고딕" panose="020B0503020000020004" pitchFamily="50" charset="-127"/>
+                        </a:rPr>
+                        <a:t>.</a:t>
                       </a:r>
                       <a:endParaRPr lang="ko-KR" altLang="en-US" sz="1100" kern="0" spc="0" dirty="0">
                         <a:solidFill>
-                          <a:srgbClr val="191919"/>
+                          <a:srgbClr val="FF0000"/>
                         </a:solidFill>
                         <a:effectLst/>
                         <a:latin typeface="맑은 고딕" panose="020B0503020000020004" pitchFamily="50" charset="-127"/>
